--- a/Example Apps/Reemplazo DPS.pptx
+++ b/Example Apps/Reemplazo DPS.pptx
@@ -5,7 +5,7 @@
     <p:sldMasterId id="2147483648" r:id="rId1"/>
   </p:sldMasterIdLst>
   <p:notesMasterIdLst>
-    <p:notesMasterId r:id="rId25"/>
+    <p:notesMasterId r:id="rId26"/>
   </p:notesMasterIdLst>
   <p:sldIdLst>
     <p:sldId id="256" r:id="rId2"/>
@@ -23,14 +23,15 @@
     <p:sldId id="276" r:id="rId14"/>
     <p:sldId id="281" r:id="rId15"/>
     <p:sldId id="283" r:id="rId16"/>
-    <p:sldId id="282" r:id="rId17"/>
-    <p:sldId id="284" r:id="rId18"/>
-    <p:sldId id="288" r:id="rId19"/>
-    <p:sldId id="287" r:id="rId20"/>
-    <p:sldId id="290" r:id="rId21"/>
-    <p:sldId id="289" r:id="rId22"/>
-    <p:sldId id="292" r:id="rId23"/>
-    <p:sldId id="285" r:id="rId24"/>
+    <p:sldId id="293" r:id="rId17"/>
+    <p:sldId id="282" r:id="rId18"/>
+    <p:sldId id="284" r:id="rId19"/>
+    <p:sldId id="288" r:id="rId20"/>
+    <p:sldId id="287" r:id="rId21"/>
+    <p:sldId id="290" r:id="rId22"/>
+    <p:sldId id="289" r:id="rId23"/>
+    <p:sldId id="292" r:id="rId24"/>
+    <p:sldId id="285" r:id="rId25"/>
   </p:sldIdLst>
   <p:sldSz cx="12192000" cy="6858000"/>
   <p:notesSz cx="6858000" cy="9144000"/>
@@ -231,7 +232,7 @@
           <a:p>
             <a:fld id="{CB31B647-ACD1-4927-A20C-E2B19158F79B}" type="datetimeFigureOut">
               <a:rPr lang="en-US" smtClean="0"/>
-              <a:t>9/9/2020</a:t>
+              <a:t>9/16/2020</a:t>
             </a:fld>
             <a:endParaRPr lang="en-US"/>
           </a:p>
@@ -714,7 +715,7 @@
           <a:p>
             <a:fld id="{82F72833-1F0D-48AB-A8E7-9B370956338D}" type="datetime1">
               <a:rPr lang="en-US" smtClean="0"/>
-              <a:t>9/9/2020</a:t>
+              <a:t>9/16/2020</a:t>
             </a:fld>
             <a:endParaRPr lang="en-US"/>
           </a:p>
@@ -884,7 +885,7 @@
           <a:p>
             <a:fld id="{D08BA19E-C27A-4EB8-958C-C8661CE4F2C2}" type="datetime1">
               <a:rPr lang="en-US" smtClean="0"/>
-              <a:t>9/9/2020</a:t>
+              <a:t>9/16/2020</a:t>
             </a:fld>
             <a:endParaRPr lang="en-US"/>
           </a:p>
@@ -1064,7 +1065,7 @@
           <a:p>
             <a:fld id="{116F94B1-FE16-4604-8D14-BA33F1A7B5F0}" type="datetime1">
               <a:rPr lang="en-US" smtClean="0"/>
-              <a:t>9/9/2020</a:t>
+              <a:t>9/16/2020</a:t>
             </a:fld>
             <a:endParaRPr lang="en-US"/>
           </a:p>
@@ -1234,7 +1235,7 @@
           <a:p>
             <a:fld id="{05CB57D3-6E4A-4F2B-9827-3D69E2A69CFC}" type="datetime1">
               <a:rPr lang="en-US" smtClean="0"/>
-              <a:t>9/9/2020</a:t>
+              <a:t>9/16/2020</a:t>
             </a:fld>
             <a:endParaRPr lang="en-US"/>
           </a:p>
@@ -1480,7 +1481,7 @@
           <a:p>
             <a:fld id="{01EB3ED9-6193-4E2D-9235-728248070881}" type="datetime1">
               <a:rPr lang="en-US" smtClean="0"/>
-              <a:t>9/9/2020</a:t>
+              <a:t>9/16/2020</a:t>
             </a:fld>
             <a:endParaRPr lang="en-US"/>
           </a:p>
@@ -1712,7 +1713,7 @@
           <a:p>
             <a:fld id="{C085C3E6-F03D-485E-8DAE-5C4EC25B106B}" type="datetime1">
               <a:rPr lang="en-US" smtClean="0"/>
-              <a:t>9/9/2020</a:t>
+              <a:t>9/16/2020</a:t>
             </a:fld>
             <a:endParaRPr lang="en-US"/>
           </a:p>
@@ -2079,7 +2080,7 @@
           <a:p>
             <a:fld id="{66580789-DACD-420C-8DE8-3B36020B630D}" type="datetime1">
               <a:rPr lang="en-US" smtClean="0"/>
-              <a:t>9/9/2020</a:t>
+              <a:t>9/16/2020</a:t>
             </a:fld>
             <a:endParaRPr lang="en-US"/>
           </a:p>
@@ -2197,7 +2198,7 @@
           <a:p>
             <a:fld id="{37F4125D-D651-42E3-A2EC-5B20727BDDFC}" type="datetime1">
               <a:rPr lang="en-US" smtClean="0"/>
-              <a:t>9/9/2020</a:t>
+              <a:t>9/16/2020</a:t>
             </a:fld>
             <a:endParaRPr lang="en-US"/>
           </a:p>
@@ -2292,7 +2293,7 @@
           <a:p>
             <a:fld id="{4DBEBADD-06A8-4573-A5FB-863A94E6CEB2}" type="datetime1">
               <a:rPr lang="en-US" smtClean="0"/>
-              <a:t>9/9/2020</a:t>
+              <a:t>9/16/2020</a:t>
             </a:fld>
             <a:endParaRPr lang="en-US"/>
           </a:p>
@@ -2569,7 +2570,7 @@
           <a:p>
             <a:fld id="{F429FFBD-DA6B-4141-9EEB-8FB03A9C8F52}" type="datetime1">
               <a:rPr lang="en-US" smtClean="0"/>
-              <a:t>9/9/2020</a:t>
+              <a:t>9/16/2020</a:t>
             </a:fld>
             <a:endParaRPr lang="en-US"/>
           </a:p>
@@ -2822,7 +2823,7 @@
           <a:p>
             <a:fld id="{6D9F8B04-446B-440B-ABB5-9C505DDF23D9}" type="datetime1">
               <a:rPr lang="en-US" smtClean="0"/>
-              <a:t>9/9/2020</a:t>
+              <a:t>9/16/2020</a:t>
             </a:fld>
             <a:endParaRPr lang="en-US"/>
           </a:p>
@@ -3035,7 +3036,7 @@
           <a:p>
             <a:fld id="{50E016B6-3D1B-4BD2-B38C-27A375FC4192}" type="datetime1">
               <a:rPr lang="en-US" smtClean="0"/>
-              <a:t>9/9/2020</a:t>
+              <a:t>9/16/2020</a:t>
             </a:fld>
             <a:endParaRPr lang="en-US"/>
           </a:p>
@@ -4361,7 +4362,15 @@
             </a:pPr>
             <a:r>
               <a:rPr lang="es-ES" sz="1800" dirty="0" smtClean="0"/>
-              <a:t>El usuario debe seguir 7 pasos para reemplazar un DPS defectuoso por uno nuevo</a:t>
+              <a:t>El usuario debe seguir </a:t>
+            </a:r>
+            <a:r>
+              <a:rPr lang="es-ES" sz="1800" dirty="0" smtClean="0"/>
+              <a:t>9 </a:t>
+            </a:r>
+            <a:r>
+              <a:rPr lang="es-ES" sz="1800" dirty="0" smtClean="0"/>
+              <a:t>pasos para reemplazar un DPS defectuoso por uno nuevo</a:t>
             </a:r>
           </a:p>
           <a:p>
@@ -4513,8 +4522,8 @@
         </p:nvSpPr>
         <p:spPr>
           <a:xfrm>
-            <a:off x="838200" y="1466910"/>
-            <a:ext cx="10382250" cy="1371540"/>
+            <a:off x="1005840" y="1680270"/>
+            <a:ext cx="10214610" cy="1371540"/>
           </a:xfrm>
         </p:spPr>
         <p:txBody>
@@ -4528,7 +4537,7 @@
             </a:pPr>
             <a:r>
               <a:rPr lang="es-ES" sz="2200" dirty="0" smtClean="0"/>
-              <a:t>Los modelos serán entregados junto con las librerías de los guantes VR. Con las librerías se puede simular el movimiento de todos los dedos y la muñeca del usuario. Con sensores adicionales se puede simular el movimiento del antebrazo sin modelos adicionales en la escena.</a:t>
+              <a:t>Los modelos 3D serán entregados junto con las librerías de los guantes VR. Con las librerías se puede simular el movimiento de todos los dedos y la muñeca del usuario. Con sensores adicionales se puede simular el movimiento del antebrazo.</a:t>
             </a:r>
             <a:endParaRPr lang="en-US" sz="2200" dirty="0"/>
           </a:p>
@@ -4548,9 +4557,9 @@
           <a:stretch/>
         </p:blipFill>
         <p:spPr>
-          <a:xfrm>
-            <a:off x="6101697" y="3424609"/>
-            <a:ext cx="3033757" cy="2138703"/>
+          <a:xfrm rot="5400000">
+            <a:off x="4532823" y="3607189"/>
+            <a:ext cx="2718085" cy="1916164"/>
           </a:xfrm>
           <a:prstGeom prst="rect">
             <a:avLst/>
@@ -4572,13 +4581,63 @@
           </a:stretch>
         </p:blipFill>
         <p:spPr>
-          <a:xfrm>
-            <a:off x="2657220" y="3432851"/>
+          <a:xfrm rot="16200000">
+            <a:off x="2273675" y="3462393"/>
             <a:ext cx="2718085" cy="2205755"/>
           </a:xfrm>
           <a:prstGeom prst="rect">
             <a:avLst/>
           </a:prstGeom>
+        </p:spPr>
+      </p:pic>
+      <p:pic>
+        <p:nvPicPr>
+          <p:cNvPr id="9" name="Picture 6" descr="Wireless Virtual Reality Glove for Gaming and Smart Devices"/>
+          <p:cNvPicPr>
+            <a:picLocks noChangeAspect="1" noChangeArrowheads="1"/>
+          </p:cNvPicPr>
+          <p:nvPr/>
+        </p:nvPicPr>
+        <p:blipFill>
+          <a:blip r:embed="rId4" cstate="print">
+            <a:extLst>
+              <a:ext uri="{BEBA8EAE-BF5A-486C-A8C5-ECC9F3942E4B}">
+                <a14:imgProps xmlns:a14="http://schemas.microsoft.com/office/drawing/2010/main">
+                  <a14:imgLayer r:embed="rId5">
+                    <a14:imgEffect>
+                      <a14:backgroundRemoval t="1733" b="97600" l="10000" r="90000"/>
+                    </a14:imgEffect>
+                  </a14:imgLayer>
+                </a14:imgProps>
+              </a:ext>
+              <a:ext uri="{28A0092B-C50C-407E-A947-70E740481C1C}">
+                <a14:useLocalDpi xmlns:a14="http://schemas.microsoft.com/office/drawing/2010/main" val="0"/>
+              </a:ext>
+            </a:extLst>
+          </a:blip>
+          <a:srcRect/>
+          <a:stretch>
+            <a:fillRect/>
+          </a:stretch>
+        </p:blipFill>
+        <p:spPr bwMode="auto">
+          <a:xfrm rot="12237688">
+            <a:off x="6618602" y="3201691"/>
+            <a:ext cx="3360000" cy="2520000"/>
+          </a:xfrm>
+          <a:prstGeom prst="rect">
+            <a:avLst/>
+          </a:prstGeom>
+          <a:noFill/>
+          <a:extLst>
+            <a:ext uri="{909E8E84-426E-40DD-AFC4-6F175D3DCCD1}">
+              <a14:hiddenFill xmlns:a14="http://schemas.microsoft.com/office/drawing/2010/main">
+                <a:solidFill>
+                  <a:srgbClr val="FFFFFF"/>
+                </a:solidFill>
+              </a14:hiddenFill>
+            </a:ext>
+          </a:extLst>
         </p:spPr>
       </p:pic>
     </p:spTree>
@@ -4667,7 +4726,7 @@
         </p:nvGrpSpPr>
         <p:grpSpPr>
           <a:xfrm>
-            <a:off x="2610941" y="3308517"/>
+            <a:off x="1109801" y="3308517"/>
             <a:ext cx="3421924" cy="2512465"/>
             <a:chOff x="1246609" y="3412675"/>
             <a:chExt cx="3421924" cy="2512465"/>
@@ -4751,7 +4810,7 @@
         </p:nvGrpSpPr>
         <p:grpSpPr>
           <a:xfrm>
-            <a:off x="7358360" y="3208471"/>
+            <a:off x="5582900" y="3208471"/>
             <a:ext cx="1919592" cy="2712555"/>
             <a:chOff x="5966440" y="3412675"/>
             <a:chExt cx="1919592" cy="2712555"/>
@@ -5225,7 +5284,7 @@
               <a:p>
                 <a:r>
                   <a:rPr lang="es-ES" sz="1400" dirty="0" smtClean="0"/>
-                  <a:t>20cm</a:t>
+                  <a:t>18cm</a:t>
                 </a:r>
                 <a:endParaRPr lang="en-US" sz="1400" dirty="0"/>
               </a:p>
@@ -5379,7 +5438,7 @@
         </p:nvSpPr>
         <p:spPr>
           <a:xfrm>
-            <a:off x="1015540" y="1569413"/>
+            <a:off x="1015540" y="1645613"/>
             <a:ext cx="10160920" cy="1107996"/>
           </a:xfrm>
           <a:prstGeom prst="rect">
@@ -5394,25 +5453,37 @@
           <a:p>
             <a:pPr algn="just"/>
             <a:r>
-              <a:rPr lang="es-ES" sz="2200" dirty="0"/>
-              <a:t>Se debe realizar un modelo 3D sencillo pero similar al resaltado en la fotografía. </a:t>
-            </a:r>
-            <a:r>
               <a:rPr lang="es-ES" sz="2200" dirty="0" smtClean="0"/>
-              <a:t>Se </a:t>
-            </a:r>
-            <a:r>
-              <a:rPr lang="es-ES" sz="2200" dirty="0"/>
-              <a:t>proporcionan las dimensiones reales del dispositivo</a:t>
-            </a:r>
-            <a:r>
-              <a:rPr lang="es-ES" sz="2200" dirty="0" smtClean="0"/>
-              <a:t>. El DPS debe tener tonos claros para simular ser un dispositivo nuevo.</a:t>
+              <a:t>Se entregará el modelo 3D que puede ser modificado si es necesario. El DPS debe tener tonos claros para simular un dispositivo nuevo. Se muestran las dimensiones reales del dispositivo como referencia</a:t>
             </a:r>
             <a:endParaRPr lang="en-US" sz="2200" dirty="0"/>
           </a:p>
         </p:txBody>
       </p:sp>
+      <p:pic>
+        <p:nvPicPr>
+          <p:cNvPr id="3" name="Imagen 2"/>
+          <p:cNvPicPr>
+            <a:picLocks noChangeAspect="1"/>
+          </p:cNvPicPr>
+          <p:nvPr/>
+        </p:nvPicPr>
+        <p:blipFill>
+          <a:blip r:embed="rId3"/>
+          <a:stretch>
+            <a:fillRect/>
+          </a:stretch>
+        </p:blipFill>
+        <p:spPr>
+          <a:xfrm>
+            <a:off x="8266426" y="3108589"/>
+            <a:ext cx="1963648" cy="2761739"/>
+          </a:xfrm>
+          <a:prstGeom prst="rect">
+            <a:avLst/>
+          </a:prstGeom>
+        </p:spPr>
+      </p:pic>
     </p:spTree>
     <p:extLst>
       <p:ext uri="{BB962C8B-B14F-4D97-AF65-F5344CB8AC3E}">
@@ -5461,6 +5532,159 @@
           <a:lstStyle/>
           <a:p>
             <a:r>
+              <a:rPr lang="es-ES" sz="4000" b="1" dirty="0"/>
+              <a:t>V</a:t>
+            </a:r>
+            <a:r>
+              <a:rPr lang="es-ES" sz="4000" b="1" dirty="0" smtClean="0"/>
+              <a:t>R - Palanca</a:t>
+            </a:r>
+            <a:endParaRPr lang="en-US" sz="4000" b="1" dirty="0"/>
+          </a:p>
+        </p:txBody>
+      </p:sp>
+      <p:sp>
+        <p:nvSpPr>
+          <p:cNvPr id="3" name="Marcador de contenido 2"/>
+          <p:cNvSpPr>
+            <a:spLocks noGrp="1"/>
+          </p:cNvSpPr>
+          <p:nvPr>
+            <p:ph idx="1"/>
+          </p:nvPr>
+        </p:nvSpPr>
+        <p:spPr>
+          <a:xfrm>
+            <a:off x="1046480" y="1583867"/>
+            <a:ext cx="10078720" cy="1174573"/>
+          </a:xfrm>
+        </p:spPr>
+        <p:txBody>
+          <a:bodyPr>
+            <a:normAutofit/>
+          </a:bodyPr>
+          <a:lstStyle/>
+          <a:p>
+            <a:pPr marL="0" indent="0" algn="just">
+              <a:buNone/>
+            </a:pPr>
+            <a:r>
+              <a:rPr lang="es-ES" sz="2200" dirty="0" smtClean="0"/>
+              <a:t>Se </a:t>
+            </a:r>
+            <a:r>
+              <a:rPr lang="es-ES" sz="2200" dirty="0"/>
+              <a:t>entregará </a:t>
+            </a:r>
+            <a:r>
+              <a:rPr lang="es-ES" sz="2200" dirty="0" smtClean="0"/>
+              <a:t>el modelo 3D que puede ser modificado si es necesario. El tamaño en la escena debe ser adaptado para encontrar la mejor interacción con las manos y los guantes. </a:t>
+            </a:r>
+          </a:p>
+        </p:txBody>
+      </p:sp>
+      <p:pic>
+        <p:nvPicPr>
+          <p:cNvPr id="20" name="Imagen 19"/>
+          <p:cNvPicPr>
+            <a:picLocks noChangeAspect="1"/>
+          </p:cNvPicPr>
+          <p:nvPr/>
+        </p:nvPicPr>
+        <p:blipFill>
+          <a:blip r:embed="rId2"/>
+          <a:stretch>
+            <a:fillRect/>
+          </a:stretch>
+        </p:blipFill>
+        <p:spPr>
+          <a:xfrm>
+            <a:off x="4957127" y="3000566"/>
+            <a:ext cx="1705293" cy="2742818"/>
+          </a:xfrm>
+          <a:prstGeom prst="rect">
+            <a:avLst/>
+          </a:prstGeom>
+        </p:spPr>
+      </p:pic>
+      <p:sp>
+        <p:nvSpPr>
+          <p:cNvPr id="22" name="Marcador de número de diapositiva 21"/>
+          <p:cNvSpPr>
+            <a:spLocks noGrp="1"/>
+          </p:cNvSpPr>
+          <p:nvPr>
+            <p:ph type="sldNum" sz="quarter" idx="12"/>
+          </p:nvPr>
+        </p:nvSpPr>
+        <p:spPr/>
+        <p:txBody>
+          <a:bodyPr/>
+          <a:lstStyle/>
+          <a:p>
+            <a:fld id="{6CD8FA05-93AE-4EE9-B14D-52898F789833}" type="slidenum">
+              <a:rPr lang="en-US" smtClean="0"/>
+              <a:t>16</a:t>
+            </a:fld>
+            <a:endParaRPr lang="en-US"/>
+          </a:p>
+        </p:txBody>
+      </p:sp>
+    </p:spTree>
+    <p:extLst>
+      <p:ext uri="{BB962C8B-B14F-4D97-AF65-F5344CB8AC3E}">
+        <p14:creationId xmlns:p14="http://schemas.microsoft.com/office/powerpoint/2010/main" val="2061658794"/>
+      </p:ext>
+    </p:extLst>
+  </p:cSld>
+  <p:clrMapOvr>
+    <a:masterClrMapping/>
+  </p:clrMapOvr>
+  <p:timing>
+    <p:tnLst>
+      <p:par>
+        <p:cTn id="1" dur="indefinite" restart="never" nodeType="tmRoot"/>
+      </p:par>
+    </p:tnLst>
+  </p:timing>
+</p:sld>
+</file>
+
+<file path=ppt/slides/slide17.xml><?xml version="1.0" encoding="utf-8"?>
+<p:sld xmlns:a="http://schemas.openxmlformats.org/drawingml/2006/main" xmlns:r="http://schemas.openxmlformats.org/officeDocument/2006/relationships" xmlns:p="http://schemas.openxmlformats.org/presentationml/2006/main">
+  <p:cSld>
+    <p:spTree>
+      <p:nvGrpSpPr>
+        <p:cNvPr id="1" name=""/>
+        <p:cNvGrpSpPr/>
+        <p:nvPr/>
+      </p:nvGrpSpPr>
+      <p:grpSpPr>
+        <a:xfrm>
+          <a:off x="0" y="0"/>
+          <a:ext cx="0" cy="0"/>
+          <a:chOff x="0" y="0"/>
+          <a:chExt cx="0" cy="0"/>
+        </a:xfrm>
+      </p:grpSpPr>
+      <p:sp>
+        <p:nvSpPr>
+          <p:cNvPr id="2" name="Título 1"/>
+          <p:cNvSpPr>
+            <a:spLocks noGrp="1"/>
+          </p:cNvSpPr>
+          <p:nvPr>
+            <p:ph type="title"/>
+          </p:nvPr>
+        </p:nvSpPr>
+        <p:spPr/>
+        <p:txBody>
+          <a:bodyPr>
+            <a:normAutofit/>
+          </a:bodyPr>
+          <a:lstStyle/>
+          <a:p>
+            <a:r>
               <a:rPr lang="es-ES" sz="4000" b="1" dirty="0" smtClean="0"/>
               <a:t>VR – DPS y Palanca en poste</a:t>
             </a:r>
@@ -5485,7 +5709,7 @@
           <a:p>
             <a:fld id="{6CD8FA05-93AE-4EE9-B14D-52898F789833}" type="slidenum">
               <a:rPr lang="en-US" smtClean="0"/>
-              <a:t>16</a:t>
+              <a:t>17</a:t>
             </a:fld>
             <a:endParaRPr lang="en-US"/>
           </a:p>
@@ -5523,7 +5747,7 @@
         <p:spPr>
           <a:xfrm>
             <a:off x="923967" y="1981293"/>
-            <a:ext cx="3439560" cy="4154984"/>
+            <a:ext cx="3439560" cy="4493538"/>
           </a:xfrm>
           <a:prstGeom prst="rect">
             <a:avLst/>
@@ -5549,7 +5773,7 @@
             <a:pPr algn="just"/>
             <a:r>
               <a:rPr lang="es-ES" sz="2200" dirty="0" smtClean="0"/>
-              <a:t>Se proporcionan las dimensiones reales (mm) del poste como referencia.</a:t>
+              <a:t>Se proporcionan las dimensiones reales del poste (en mm) como referencia.</a:t>
             </a:r>
           </a:p>
           <a:p>
@@ -10319,7 +10543,7 @@
 </p:sld>
 </file>
 
-<file path=ppt/slides/slide17.xml><?xml version="1.0" encoding="utf-8"?>
+<file path=ppt/slides/slide18.xml><?xml version="1.0" encoding="utf-8"?>
 <p:sld xmlns:a="http://schemas.openxmlformats.org/drawingml/2006/main" xmlns:r="http://schemas.openxmlformats.org/officeDocument/2006/relationships" xmlns:p="http://schemas.openxmlformats.org/presentationml/2006/main">
   <p:cSld>
     <p:spTree>
@@ -10378,7 +10602,7 @@
           <a:p>
             <a:fld id="{6CD8FA05-93AE-4EE9-B14D-52898F789833}" type="slidenum">
               <a:rPr lang="en-US" smtClean="0"/>
-              <a:t>17</a:t>
+              <a:t>18</a:t>
             </a:fld>
             <a:endParaRPr lang="en-US"/>
           </a:p>
@@ -10593,7 +10817,7 @@
 </p:sld>
 </file>
 
-<file path=ppt/slides/slide18.xml><?xml version="1.0" encoding="utf-8"?>
+<file path=ppt/slides/slide19.xml><?xml version="1.0" encoding="utf-8"?>
 <p:sld xmlns:a="http://schemas.openxmlformats.org/drawingml/2006/main" xmlns:r="http://schemas.openxmlformats.org/officeDocument/2006/relationships" xmlns:p="http://schemas.openxmlformats.org/presentationml/2006/main">
   <p:cSld>
     <p:spTree>
@@ -10652,7 +10876,7 @@
           <a:p>
             <a:fld id="{6CD8FA05-93AE-4EE9-B14D-52898F789833}" type="slidenum">
               <a:rPr lang="en-US" smtClean="0"/>
-              <a:t>18</a:t>
+              <a:t>19</a:t>
             </a:fld>
             <a:endParaRPr lang="en-US"/>
           </a:p>
@@ -11342,7 +11566,102 @@
 </p:sld>
 </file>
 
-<file path=ppt/slides/slide19.xml><?xml version="1.0" encoding="utf-8"?>
+<file path=ppt/slides/slide2.xml><?xml version="1.0" encoding="utf-8"?>
+<p:sld xmlns:a="http://schemas.openxmlformats.org/drawingml/2006/main" xmlns:r="http://schemas.openxmlformats.org/officeDocument/2006/relationships" xmlns:p="http://schemas.openxmlformats.org/presentationml/2006/main">
+  <p:cSld>
+    <p:bg>
+      <p:bgPr>
+        <a:solidFill>
+          <a:schemeClr val="accent2">
+            <a:lumMod val="60000"/>
+            <a:lumOff val="40000"/>
+          </a:schemeClr>
+        </a:solidFill>
+        <a:effectLst/>
+      </p:bgPr>
+    </p:bg>
+    <p:spTree>
+      <p:nvGrpSpPr>
+        <p:cNvPr id="1" name=""/>
+        <p:cNvGrpSpPr/>
+        <p:nvPr/>
+      </p:nvGrpSpPr>
+      <p:grpSpPr>
+        <a:xfrm>
+          <a:off x="0" y="0"/>
+          <a:ext cx="0" cy="0"/>
+          <a:chOff x="0" y="0"/>
+          <a:chExt cx="0" cy="0"/>
+        </a:xfrm>
+      </p:grpSpPr>
+      <p:sp>
+        <p:nvSpPr>
+          <p:cNvPr id="2" name="Título 1"/>
+          <p:cNvSpPr>
+            <a:spLocks noGrp="1"/>
+          </p:cNvSpPr>
+          <p:nvPr>
+            <p:ph type="title"/>
+          </p:nvPr>
+        </p:nvSpPr>
+        <p:spPr>
+          <a:xfrm>
+            <a:off x="838200" y="2731869"/>
+            <a:ext cx="10515600" cy="1325563"/>
+          </a:xfrm>
+        </p:spPr>
+        <p:txBody>
+          <a:bodyPr>
+            <a:noAutofit/>
+          </a:bodyPr>
+          <a:lstStyle/>
+          <a:p>
+            <a:pPr algn="ctr"/>
+            <a:r>
+              <a:rPr lang="es-ES" sz="7200" b="1" dirty="0" smtClean="0"/>
+              <a:t>Aplicación en Realidad Aumentada</a:t>
+            </a:r>
+            <a:endParaRPr lang="en-US" sz="7200" b="1" dirty="0"/>
+          </a:p>
+        </p:txBody>
+      </p:sp>
+      <p:sp>
+        <p:nvSpPr>
+          <p:cNvPr id="4" name="Marcador de número de diapositiva 3"/>
+          <p:cNvSpPr>
+            <a:spLocks noGrp="1"/>
+          </p:cNvSpPr>
+          <p:nvPr>
+            <p:ph type="sldNum" sz="quarter" idx="12"/>
+          </p:nvPr>
+        </p:nvSpPr>
+        <p:spPr/>
+        <p:txBody>
+          <a:bodyPr/>
+          <a:lstStyle/>
+          <a:p>
+            <a:fld id="{6CD8FA05-93AE-4EE9-B14D-52898F789833}" type="slidenum">
+              <a:rPr lang="en-US" smtClean="0"/>
+              <a:t>2</a:t>
+            </a:fld>
+            <a:endParaRPr lang="en-US"/>
+          </a:p>
+        </p:txBody>
+      </p:sp>
+    </p:spTree>
+    <p:extLst>
+      <p:ext uri="{BB962C8B-B14F-4D97-AF65-F5344CB8AC3E}">
+        <p14:creationId xmlns:p14="http://schemas.microsoft.com/office/powerpoint/2010/main" val="182855786"/>
+      </p:ext>
+    </p:extLst>
+  </p:cSld>
+  <p:clrMapOvr>
+    <a:masterClrMapping/>
+  </p:clrMapOvr>
+</p:sld>
+</file>
+
+<file path=ppt/slides/slide20.xml><?xml version="1.0" encoding="utf-8"?>
 <p:sld xmlns:a="http://schemas.openxmlformats.org/drawingml/2006/main" xmlns:r="http://schemas.openxmlformats.org/officeDocument/2006/relationships" xmlns:p="http://schemas.openxmlformats.org/presentationml/2006/main">
   <p:cSld>
     <p:spTree>
@@ -11401,7 +11720,7 @@
           <a:p>
             <a:fld id="{6CD8FA05-93AE-4EE9-B14D-52898F789833}" type="slidenum">
               <a:rPr lang="en-US" smtClean="0"/>
-              <a:t>19</a:t>
+              <a:t>20</a:t>
             </a:fld>
             <a:endParaRPr lang="en-US"/>
           </a:p>
@@ -12067,102 +12386,7 @@
 </p:sld>
 </file>
 
-<file path=ppt/slides/slide2.xml><?xml version="1.0" encoding="utf-8"?>
-<p:sld xmlns:a="http://schemas.openxmlformats.org/drawingml/2006/main" xmlns:r="http://schemas.openxmlformats.org/officeDocument/2006/relationships" xmlns:p="http://schemas.openxmlformats.org/presentationml/2006/main">
-  <p:cSld>
-    <p:bg>
-      <p:bgPr>
-        <a:solidFill>
-          <a:schemeClr val="accent2">
-            <a:lumMod val="60000"/>
-            <a:lumOff val="40000"/>
-          </a:schemeClr>
-        </a:solidFill>
-        <a:effectLst/>
-      </p:bgPr>
-    </p:bg>
-    <p:spTree>
-      <p:nvGrpSpPr>
-        <p:cNvPr id="1" name=""/>
-        <p:cNvGrpSpPr/>
-        <p:nvPr/>
-      </p:nvGrpSpPr>
-      <p:grpSpPr>
-        <a:xfrm>
-          <a:off x="0" y="0"/>
-          <a:ext cx="0" cy="0"/>
-          <a:chOff x="0" y="0"/>
-          <a:chExt cx="0" cy="0"/>
-        </a:xfrm>
-      </p:grpSpPr>
-      <p:sp>
-        <p:nvSpPr>
-          <p:cNvPr id="2" name="Título 1"/>
-          <p:cNvSpPr>
-            <a:spLocks noGrp="1"/>
-          </p:cNvSpPr>
-          <p:nvPr>
-            <p:ph type="title"/>
-          </p:nvPr>
-        </p:nvSpPr>
-        <p:spPr>
-          <a:xfrm>
-            <a:off x="838200" y="2731869"/>
-            <a:ext cx="10515600" cy="1325563"/>
-          </a:xfrm>
-        </p:spPr>
-        <p:txBody>
-          <a:bodyPr>
-            <a:noAutofit/>
-          </a:bodyPr>
-          <a:lstStyle/>
-          <a:p>
-            <a:pPr algn="ctr"/>
-            <a:r>
-              <a:rPr lang="es-ES" sz="7200" b="1" dirty="0" smtClean="0"/>
-              <a:t>Aplicación en Realidad Aumentada</a:t>
-            </a:r>
-            <a:endParaRPr lang="en-US" sz="7200" b="1" dirty="0"/>
-          </a:p>
-        </p:txBody>
-      </p:sp>
-      <p:sp>
-        <p:nvSpPr>
-          <p:cNvPr id="4" name="Marcador de número de diapositiva 3"/>
-          <p:cNvSpPr>
-            <a:spLocks noGrp="1"/>
-          </p:cNvSpPr>
-          <p:nvPr>
-            <p:ph type="sldNum" sz="quarter" idx="12"/>
-          </p:nvPr>
-        </p:nvSpPr>
-        <p:spPr/>
-        <p:txBody>
-          <a:bodyPr/>
-          <a:lstStyle/>
-          <a:p>
-            <a:fld id="{6CD8FA05-93AE-4EE9-B14D-52898F789833}" type="slidenum">
-              <a:rPr lang="en-US" smtClean="0"/>
-              <a:t>2</a:t>
-            </a:fld>
-            <a:endParaRPr lang="en-US"/>
-          </a:p>
-        </p:txBody>
-      </p:sp>
-    </p:spTree>
-    <p:extLst>
-      <p:ext uri="{BB962C8B-B14F-4D97-AF65-F5344CB8AC3E}">
-        <p14:creationId xmlns:p14="http://schemas.microsoft.com/office/powerpoint/2010/main" val="182855786"/>
-      </p:ext>
-    </p:extLst>
-  </p:cSld>
-  <p:clrMapOvr>
-    <a:masterClrMapping/>
-  </p:clrMapOvr>
-</p:sld>
-</file>
-
-<file path=ppt/slides/slide20.xml><?xml version="1.0" encoding="utf-8"?>
+<file path=ppt/slides/slide21.xml><?xml version="1.0" encoding="utf-8"?>
 <p:sld xmlns:a="http://schemas.openxmlformats.org/drawingml/2006/main" xmlns:r="http://schemas.openxmlformats.org/officeDocument/2006/relationships" xmlns:p="http://schemas.openxmlformats.org/presentationml/2006/main">
   <p:cSld>
     <p:spTree>
@@ -12221,7 +12445,7 @@
           <a:p>
             <a:fld id="{6CD8FA05-93AE-4EE9-B14D-52898F789833}" type="slidenum">
               <a:rPr lang="en-US" smtClean="0"/>
-              <a:t>20</a:t>
+              <a:t>21</a:t>
             </a:fld>
             <a:endParaRPr lang="en-US"/>
           </a:p>
@@ -12274,7 +12498,7 @@
             <a:pPr algn="just"/>
             <a:r>
               <a:rPr lang="es-ES" sz="2200" dirty="0" smtClean="0"/>
-              <a:t>Para moverse verticalmente en la escena el usuario debe usar la flecha hacia arriba del teclado.</a:t>
+              <a:t>Para moverse verticalmente en la escena el usuario debe oprimir una tecla en el teclado.</a:t>
             </a:r>
             <a:endParaRPr lang="es-ES" sz="2200" dirty="0"/>
           </a:p>
@@ -14020,7 +14244,7 @@
 </p:sld>
 </file>
 
-<file path=ppt/slides/slide21.xml><?xml version="1.0" encoding="utf-8"?>
+<file path=ppt/slides/slide22.xml><?xml version="1.0" encoding="utf-8"?>
 <p:sld xmlns:a="http://schemas.openxmlformats.org/drawingml/2006/main" xmlns:r="http://schemas.openxmlformats.org/officeDocument/2006/relationships" xmlns:p="http://schemas.openxmlformats.org/presentationml/2006/main">
   <p:cSld>
     <p:spTree>
@@ -14079,7 +14303,7 @@
           <a:p>
             <a:fld id="{6CD8FA05-93AE-4EE9-B14D-52898F789833}" type="slidenum">
               <a:rPr lang="en-US" smtClean="0"/>
-              <a:t>21</a:t>
+              <a:t>22</a:t>
             </a:fld>
             <a:endParaRPr lang="en-US"/>
           </a:p>
@@ -14765,7 +14989,7 @@
 </p:sld>
 </file>
 
-<file path=ppt/slides/slide22.xml><?xml version="1.0" encoding="utf-8"?>
+<file path=ppt/slides/slide23.xml><?xml version="1.0" encoding="utf-8"?>
 <p:sld xmlns:a="http://schemas.openxmlformats.org/drawingml/2006/main" xmlns:r="http://schemas.openxmlformats.org/officeDocument/2006/relationships" xmlns:p="http://schemas.openxmlformats.org/presentationml/2006/main">
   <p:cSld>
     <p:spTree>
@@ -14809,7 +15033,7 @@
             </a:r>
             <a:r>
               <a:rPr lang="es-ES" sz="4000" b="1" dirty="0" smtClean="0"/>
-              <a:t>–&gt; 8 </a:t>
+              <a:t>–&gt; 9 </a:t>
             </a:r>
             <a:endParaRPr lang="en-US" sz="4000" b="1" dirty="0"/>
           </a:p>
@@ -14832,7 +15056,7 @@
           <a:p>
             <a:fld id="{6CD8FA05-93AE-4EE9-B14D-52898F789833}" type="slidenum">
               <a:rPr lang="en-US" smtClean="0"/>
-              <a:t>22</a:t>
+              <a:t>23</a:t>
             </a:fld>
             <a:endParaRPr lang="en-US"/>
           </a:p>
@@ -14847,7 +15071,7 @@
         <p:spPr>
           <a:xfrm>
             <a:off x="1015539" y="1569413"/>
-            <a:ext cx="7275059" cy="1938992"/>
+            <a:ext cx="7275059" cy="2246769"/>
           </a:xfrm>
           <a:prstGeom prst="rect">
             <a:avLst/>
@@ -14884,6 +15108,13 @@
             <a:r>
               <a:rPr lang="es-ES" sz="2000" dirty="0" smtClean="0"/>
               <a:t>8. Conectar el cable superior del DPS nuevo utilizando la llave inglesa </a:t>
+            </a:r>
+          </a:p>
+          <a:p>
+            <a:pPr algn="just"/>
+            <a:r>
+              <a:rPr lang="es-ES" sz="2000" dirty="0" smtClean="0"/>
+              <a:t>9. Subir la palanca para energizar nuevamente el poste</a:t>
             </a:r>
             <a:endParaRPr lang="es-ES" sz="2000" dirty="0"/>
           </a:p>
@@ -16492,7 +16723,7 @@
         </p:nvGrpSpPr>
         <p:grpSpPr>
           <a:xfrm>
-            <a:off x="3747393" y="3993357"/>
+            <a:off x="3747393" y="4064187"/>
             <a:ext cx="3469259" cy="3576280"/>
             <a:chOff x="3702545" y="4359877"/>
             <a:chExt cx="3469259" cy="3576280"/>
@@ -17043,7 +17274,7 @@
 </p:sld>
 </file>
 
-<file path=ppt/slides/slide23.xml><?xml version="1.0" encoding="utf-8"?>
+<file path=ppt/slides/slide24.xml><?xml version="1.0" encoding="utf-8"?>
 <p:sld xmlns:a="http://schemas.openxmlformats.org/drawingml/2006/main" xmlns:r="http://schemas.openxmlformats.org/officeDocument/2006/relationships" xmlns:p="http://schemas.openxmlformats.org/presentationml/2006/main">
   <p:cSld>
     <p:spTree>
@@ -17102,7 +17333,7 @@
           <a:p>
             <a:fld id="{6CD8FA05-93AE-4EE9-B14D-52898F789833}" type="slidenum">
               <a:rPr lang="en-US" smtClean="0"/>
-              <a:t>23</a:t>
+              <a:t>24</a:t>
             </a:fld>
             <a:endParaRPr lang="en-US"/>
           </a:p>
@@ -17120,7 +17351,7 @@
         </p:nvSpPr>
         <p:spPr>
           <a:xfrm>
-            <a:off x="1046480" y="2057400"/>
+            <a:off x="1061720" y="1703566"/>
             <a:ext cx="10068560" cy="4419600"/>
           </a:xfrm>
         </p:spPr>
@@ -17133,7 +17364,15 @@
             <a:pPr algn="just"/>
             <a:r>
               <a:rPr lang="es-ES" sz="2200" dirty="0"/>
-              <a:t>La aplicación debe ser ejecutada en un computador Windows</a:t>
+              <a:t>La aplicación debe ser ejecutada </a:t>
+            </a:r>
+            <a:r>
+              <a:rPr lang="es-ES" sz="2200" dirty="0" smtClean="0"/>
+              <a:t>desde </a:t>
+            </a:r>
+            <a:r>
+              <a:rPr lang="es-ES" sz="2200" dirty="0"/>
+              <a:t>un computador Windows</a:t>
             </a:r>
           </a:p>
           <a:p>
@@ -17144,11 +17383,19 @@
             </a:r>
             <a:r>
               <a:rPr lang="es-ES" sz="2200" dirty="0"/>
-              <a:t>usuario se puede mover en la escena haciendo uso de las flechas del teclado conectado al computador donde se ejecuta la </a:t>
+              <a:t>usuario se puede mover en la escena </a:t>
             </a:r>
             <a:r>
               <a:rPr lang="es-ES" sz="2200" dirty="0" smtClean="0"/>
-              <a:t>aplicación </a:t>
+              <a:t>oprimiendo teclas del teclado </a:t>
+            </a:r>
+            <a:r>
+              <a:rPr lang="es-ES" sz="2200" dirty="0"/>
+              <a:t>conectado al computador donde se ejecuta la </a:t>
+            </a:r>
+            <a:r>
+              <a:rPr lang="es-ES" sz="2200" dirty="0" smtClean="0"/>
+              <a:t>aplicación. Los movimientos requeridos son: desplazamiento hacia arriba, hacia abajo, hacia la derecha, hacia la izquierda, hacia el frene, hacia atrás y rotación de la cámara hacia arriba y hacia abajo para ver el poste completo. </a:t>
             </a:r>
           </a:p>
           <a:p>
@@ -17794,6 +18041,13 @@
   <p:clrMapOvr>
     <a:masterClrMapping/>
   </p:clrMapOvr>
+  <p:timing>
+    <p:tnLst>
+      <p:par>
+        <p:cTn id="1" dur="indefinite" restart="never" nodeType="tmRoot"/>
+      </p:par>
+    </p:tnLst>
+  </p:timing>
 </p:sld>
 </file>
 
@@ -17901,7 +18155,7 @@
             </a:r>
             <a:r>
               <a:rPr lang="es-ES" sz="2200" dirty="0" smtClean="0"/>
-              <a:t>Se debe realizar un modelo 3D sencillo pero similar al resaltado en la fotografía. Se proporcionan las dimensiones reales del dispositivo.</a:t>
+              <a:t>Se entregará el modelo 3D de un DPS que puede ser modificado si es necesario.</a:t>
             </a:r>
           </a:p>
         </p:txBody>
@@ -18484,7 +18738,7 @@
               <a:p>
                 <a:r>
                   <a:rPr lang="es-ES" sz="1400" dirty="0" smtClean="0"/>
-                  <a:t>20cm</a:t>
+                  <a:t>18cm</a:t>
                 </a:r>
                 <a:endParaRPr lang="en-US" sz="1400" dirty="0"/>
               </a:p>
@@ -18737,616 +18991,6 @@
           </p:txBody>
         </p:sp>
       </p:grpSp>
-      <p:grpSp>
-        <p:nvGrpSpPr>
-          <p:cNvPr id="32" name="Grupo 31"/>
-          <p:cNvGrpSpPr/>
-          <p:nvPr/>
-        </p:nvGrpSpPr>
-        <p:grpSpPr>
-          <a:xfrm>
-            <a:off x="5986760" y="3541846"/>
-            <a:ext cx="1919592" cy="2712555"/>
-            <a:chOff x="5966440" y="3412675"/>
-            <a:chExt cx="1919592" cy="2712555"/>
-          </a:xfrm>
-        </p:grpSpPr>
-        <p:grpSp>
-          <p:nvGrpSpPr>
-            <p:cNvPr id="33" name="Grupo 32"/>
-            <p:cNvGrpSpPr/>
-            <p:nvPr/>
-          </p:nvGrpSpPr>
-          <p:grpSpPr>
-            <a:xfrm>
-              <a:off x="5966440" y="3779410"/>
-              <a:ext cx="1161027" cy="1975074"/>
-              <a:chOff x="5403198" y="2499984"/>
-              <a:chExt cx="1161027" cy="1975074"/>
-            </a:xfrm>
-          </p:grpSpPr>
-          <p:grpSp>
-            <p:nvGrpSpPr>
-              <p:cNvPr id="42" name="Grupo 41"/>
-              <p:cNvGrpSpPr/>
-              <p:nvPr/>
-            </p:nvGrpSpPr>
-            <p:grpSpPr>
-              <a:xfrm>
-                <a:off x="5739080" y="2499984"/>
-                <a:ext cx="475423" cy="1975074"/>
-                <a:chOff x="6318997" y="1690552"/>
-                <a:chExt cx="475423" cy="2569785"/>
-              </a:xfrm>
-            </p:grpSpPr>
-            <p:sp>
-              <p:nvSpPr>
-                <p:cNvPr id="49" name="Cilindro 48"/>
-                <p:cNvSpPr/>
-                <p:nvPr/>
-              </p:nvSpPr>
-              <p:spPr>
-                <a:xfrm>
-                  <a:off x="6318997" y="1690552"/>
-                  <a:ext cx="475423" cy="2441962"/>
-                </a:xfrm>
-                <a:prstGeom prst="can">
-                  <a:avLst/>
-                </a:prstGeom>
-                <a:solidFill>
-                  <a:srgbClr val="656D6F"/>
-                </a:solidFill>
-              </p:spPr>
-              <p:style>
-                <a:lnRef idx="2">
-                  <a:schemeClr val="accent1">
-                    <a:shade val="50000"/>
-                  </a:schemeClr>
-                </a:lnRef>
-                <a:fillRef idx="1">
-                  <a:schemeClr val="accent1"/>
-                </a:fillRef>
-                <a:effectRef idx="0">
-                  <a:schemeClr val="accent1"/>
-                </a:effectRef>
-                <a:fontRef idx="minor">
-                  <a:schemeClr val="lt1"/>
-                </a:fontRef>
-              </p:style>
-              <p:txBody>
-                <a:bodyPr rtlCol="0" anchor="ctr"/>
-                <a:lstStyle/>
-                <a:p>
-                  <a:pPr algn="ctr"/>
-                  <a:endParaRPr lang="en-US"/>
-                </a:p>
-              </p:txBody>
-            </p:sp>
-            <p:sp>
-              <p:nvSpPr>
-                <p:cNvPr id="50" name="Rectángulo redondeado 49"/>
-                <p:cNvSpPr/>
-                <p:nvPr/>
-              </p:nvSpPr>
-              <p:spPr>
-                <a:xfrm>
-                  <a:off x="6411748" y="4131171"/>
-                  <a:ext cx="307649" cy="129166"/>
-                </a:xfrm>
-                <a:prstGeom prst="roundRect">
-                  <a:avLst/>
-                </a:prstGeom>
-                <a:solidFill>
-                  <a:schemeClr val="bg2">
-                    <a:lumMod val="50000"/>
-                  </a:schemeClr>
-                </a:solidFill>
-                <a:ln>
-                  <a:solidFill>
-                    <a:schemeClr val="bg2">
-                      <a:lumMod val="50000"/>
-                    </a:schemeClr>
-                  </a:solidFill>
-                </a:ln>
-              </p:spPr>
-              <p:style>
-                <a:lnRef idx="2">
-                  <a:schemeClr val="accent1">
-                    <a:shade val="50000"/>
-                  </a:schemeClr>
-                </a:lnRef>
-                <a:fillRef idx="1">
-                  <a:schemeClr val="accent1"/>
-                </a:fillRef>
-                <a:effectRef idx="0">
-                  <a:schemeClr val="accent1"/>
-                </a:effectRef>
-                <a:fontRef idx="minor">
-                  <a:schemeClr val="lt1"/>
-                </a:fontRef>
-              </p:style>
-              <p:txBody>
-                <a:bodyPr rtlCol="0" anchor="ctr"/>
-                <a:lstStyle/>
-                <a:p>
-                  <a:pPr algn="ctr"/>
-                  <a:endParaRPr lang="en-US"/>
-                </a:p>
-              </p:txBody>
-            </p:sp>
-          </p:grpSp>
-          <p:sp>
-            <p:nvSpPr>
-              <p:cNvPr id="43" name="Cilindro 42"/>
-              <p:cNvSpPr/>
-              <p:nvPr/>
-            </p:nvSpPr>
-            <p:spPr>
-              <a:xfrm>
-                <a:off x="5405115" y="3871300"/>
-                <a:ext cx="1142886" cy="226973"/>
-              </a:xfrm>
-              <a:prstGeom prst="can">
-                <a:avLst/>
-              </a:prstGeom>
-            </p:spPr>
-            <p:style>
-              <a:lnRef idx="2">
-                <a:schemeClr val="accent1">
-                  <a:shade val="50000"/>
-                </a:schemeClr>
-              </a:lnRef>
-              <a:fillRef idx="1">
-                <a:schemeClr val="accent1"/>
-              </a:fillRef>
-              <a:effectRef idx="0">
-                <a:schemeClr val="accent1"/>
-              </a:effectRef>
-              <a:fontRef idx="minor">
-                <a:schemeClr val="lt1"/>
-              </a:fontRef>
-            </p:style>
-            <p:txBody>
-              <a:bodyPr rtlCol="0" anchor="ctr"/>
-              <a:lstStyle/>
-              <a:p>
-                <a:pPr algn="ctr"/>
-                <a:endParaRPr lang="en-US"/>
-              </a:p>
-            </p:txBody>
-          </p:sp>
-          <p:sp>
-            <p:nvSpPr>
-              <p:cNvPr id="44" name="Cilindro 43"/>
-              <p:cNvSpPr/>
-              <p:nvPr/>
-            </p:nvSpPr>
-            <p:spPr>
-              <a:xfrm>
-                <a:off x="5416196" y="3576866"/>
-                <a:ext cx="1142886" cy="226973"/>
-              </a:xfrm>
-              <a:prstGeom prst="can">
-                <a:avLst/>
-              </a:prstGeom>
-            </p:spPr>
-            <p:style>
-              <a:lnRef idx="2">
-                <a:schemeClr val="accent1">
-                  <a:shade val="50000"/>
-                </a:schemeClr>
-              </a:lnRef>
-              <a:fillRef idx="1">
-                <a:schemeClr val="accent1"/>
-              </a:fillRef>
-              <a:effectRef idx="0">
-                <a:schemeClr val="accent1"/>
-              </a:effectRef>
-              <a:fontRef idx="minor">
-                <a:schemeClr val="lt1"/>
-              </a:fontRef>
-            </p:style>
-            <p:txBody>
-              <a:bodyPr rtlCol="0" anchor="ctr"/>
-              <a:lstStyle/>
-              <a:p>
-                <a:pPr algn="ctr"/>
-                <a:endParaRPr lang="en-US"/>
-              </a:p>
-            </p:txBody>
-          </p:sp>
-          <p:sp>
-            <p:nvSpPr>
-              <p:cNvPr id="45" name="Cilindro 44"/>
-              <p:cNvSpPr/>
-              <p:nvPr/>
-            </p:nvSpPr>
-            <p:spPr>
-              <a:xfrm>
-                <a:off x="5421339" y="3277418"/>
-                <a:ext cx="1142886" cy="226973"/>
-              </a:xfrm>
-              <a:prstGeom prst="can">
-                <a:avLst/>
-              </a:prstGeom>
-            </p:spPr>
-            <p:style>
-              <a:lnRef idx="2">
-                <a:schemeClr val="accent1">
-                  <a:shade val="50000"/>
-                </a:schemeClr>
-              </a:lnRef>
-              <a:fillRef idx="1">
-                <a:schemeClr val="accent1"/>
-              </a:fillRef>
-              <a:effectRef idx="0">
-                <a:schemeClr val="accent1"/>
-              </a:effectRef>
-              <a:fontRef idx="minor">
-                <a:schemeClr val="lt1"/>
-              </a:fontRef>
-            </p:style>
-            <p:txBody>
-              <a:bodyPr rtlCol="0" anchor="ctr"/>
-              <a:lstStyle/>
-              <a:p>
-                <a:pPr algn="ctr"/>
-                <a:endParaRPr lang="en-US"/>
-              </a:p>
-            </p:txBody>
-          </p:sp>
-          <p:sp>
-            <p:nvSpPr>
-              <p:cNvPr id="46" name="Cilindro 45"/>
-              <p:cNvSpPr/>
-              <p:nvPr/>
-            </p:nvSpPr>
-            <p:spPr>
-              <a:xfrm>
-                <a:off x="5403198" y="2991723"/>
-                <a:ext cx="1142886" cy="226973"/>
-              </a:xfrm>
-              <a:prstGeom prst="can">
-                <a:avLst/>
-              </a:prstGeom>
-            </p:spPr>
-            <p:style>
-              <a:lnRef idx="2">
-                <a:schemeClr val="accent1">
-                  <a:shade val="50000"/>
-                </a:schemeClr>
-              </a:lnRef>
-              <a:fillRef idx="1">
-                <a:schemeClr val="accent1"/>
-              </a:fillRef>
-              <a:effectRef idx="0">
-                <a:schemeClr val="accent1"/>
-              </a:effectRef>
-              <a:fontRef idx="minor">
-                <a:schemeClr val="lt1"/>
-              </a:fontRef>
-            </p:style>
-            <p:txBody>
-              <a:bodyPr rtlCol="0" anchor="ctr"/>
-              <a:lstStyle/>
-              <a:p>
-                <a:pPr algn="ctr"/>
-                <a:endParaRPr lang="en-US"/>
-              </a:p>
-            </p:txBody>
-          </p:sp>
-          <p:sp>
-            <p:nvSpPr>
-              <p:cNvPr id="47" name="Cilindro 46"/>
-              <p:cNvSpPr/>
-              <p:nvPr/>
-            </p:nvSpPr>
-            <p:spPr>
-              <a:xfrm>
-                <a:off x="5403198" y="2697666"/>
-                <a:ext cx="1142886" cy="226973"/>
-              </a:xfrm>
-              <a:prstGeom prst="can">
-                <a:avLst/>
-              </a:prstGeom>
-              <a:ln>
-                <a:solidFill>
-                  <a:schemeClr val="accent1"/>
-                </a:solidFill>
-              </a:ln>
-            </p:spPr>
-            <p:style>
-              <a:lnRef idx="2">
-                <a:schemeClr val="accent1">
-                  <a:shade val="50000"/>
-                </a:schemeClr>
-              </a:lnRef>
-              <a:fillRef idx="1">
-                <a:schemeClr val="accent1"/>
-              </a:fillRef>
-              <a:effectRef idx="0">
-                <a:schemeClr val="accent1"/>
-              </a:effectRef>
-              <a:fontRef idx="minor">
-                <a:schemeClr val="lt1"/>
-              </a:fontRef>
-            </p:style>
-            <p:txBody>
-              <a:bodyPr rtlCol="0" anchor="ctr"/>
-              <a:lstStyle/>
-              <a:p>
-                <a:pPr algn="ctr"/>
-                <a:endParaRPr lang="en-US"/>
-              </a:p>
-            </p:txBody>
-          </p:sp>
-          <p:sp>
-            <p:nvSpPr>
-              <p:cNvPr id="48" name="Cilindro 47"/>
-              <p:cNvSpPr/>
-              <p:nvPr/>
-            </p:nvSpPr>
-            <p:spPr>
-              <a:xfrm>
-                <a:off x="5573574" y="2500174"/>
-                <a:ext cx="828129" cy="271709"/>
-              </a:xfrm>
-              <a:prstGeom prst="can">
-                <a:avLst/>
-              </a:prstGeom>
-              <a:ln>
-                <a:solidFill>
-                  <a:schemeClr val="accent1"/>
-                </a:solidFill>
-              </a:ln>
-            </p:spPr>
-            <p:style>
-              <a:lnRef idx="2">
-                <a:schemeClr val="accent1">
-                  <a:shade val="50000"/>
-                </a:schemeClr>
-              </a:lnRef>
-              <a:fillRef idx="1">
-                <a:schemeClr val="accent1"/>
-              </a:fillRef>
-              <a:effectRef idx="0">
-                <a:schemeClr val="accent1"/>
-              </a:effectRef>
-              <a:fontRef idx="minor">
-                <a:schemeClr val="lt1"/>
-              </a:fontRef>
-            </p:style>
-            <p:txBody>
-              <a:bodyPr rtlCol="0" anchor="ctr"/>
-              <a:lstStyle/>
-              <a:p>
-                <a:pPr algn="ctr"/>
-                <a:endParaRPr lang="en-US"/>
-              </a:p>
-            </p:txBody>
-          </p:sp>
-        </p:grpSp>
-        <p:grpSp>
-          <p:nvGrpSpPr>
-            <p:cNvPr id="34" name="Grupo 33"/>
-            <p:cNvGrpSpPr/>
-            <p:nvPr/>
-          </p:nvGrpSpPr>
-          <p:grpSpPr>
-            <a:xfrm>
-              <a:off x="7135601" y="3689426"/>
-              <a:ext cx="750431" cy="2174776"/>
-              <a:chOff x="5112153" y="1867385"/>
-              <a:chExt cx="750431" cy="2174776"/>
-            </a:xfrm>
-          </p:grpSpPr>
-          <p:cxnSp>
-            <p:nvCxnSpPr>
-              <p:cNvPr id="40" name="Conector recto de flecha 39"/>
-              <p:cNvCxnSpPr/>
-              <p:nvPr/>
-            </p:nvCxnSpPr>
-            <p:spPr>
-              <a:xfrm flipH="1">
-                <a:off x="5144568" y="1867385"/>
-                <a:ext cx="17092" cy="2174776"/>
-              </a:xfrm>
-              <a:prstGeom prst="straightConnector1">
-                <a:avLst/>
-              </a:prstGeom>
-              <a:ln>
-                <a:solidFill>
-                  <a:srgbClr val="FF0000"/>
-                </a:solidFill>
-                <a:headEnd type="triangle"/>
-                <a:tailEnd type="triangle"/>
-              </a:ln>
-            </p:spPr>
-            <p:style>
-              <a:lnRef idx="1">
-                <a:schemeClr val="accent1"/>
-              </a:lnRef>
-              <a:fillRef idx="0">
-                <a:schemeClr val="accent1"/>
-              </a:fillRef>
-              <a:effectRef idx="0">
-                <a:schemeClr val="accent1"/>
-              </a:effectRef>
-              <a:fontRef idx="minor">
-                <a:schemeClr val="tx1"/>
-              </a:fontRef>
-            </p:style>
-          </p:cxnSp>
-          <p:sp>
-            <p:nvSpPr>
-              <p:cNvPr id="41" name="CuadroTexto 40"/>
-              <p:cNvSpPr txBox="1"/>
-              <p:nvPr/>
-            </p:nvSpPr>
-            <p:spPr>
-              <a:xfrm>
-                <a:off x="5112153" y="2786605"/>
-                <a:ext cx="750431" cy="307777"/>
-              </a:xfrm>
-              <a:prstGeom prst="rect">
-                <a:avLst/>
-              </a:prstGeom>
-              <a:noFill/>
-            </p:spPr>
-            <p:txBody>
-              <a:bodyPr wrap="square" rtlCol="0">
-                <a:spAutoFit/>
-              </a:bodyPr>
-              <a:lstStyle/>
-              <a:p>
-                <a:r>
-                  <a:rPr lang="es-ES" sz="1400" dirty="0" smtClean="0"/>
-                  <a:t>20cm</a:t>
-                </a:r>
-                <a:endParaRPr lang="en-US" sz="1400" dirty="0"/>
-              </a:p>
-            </p:txBody>
-          </p:sp>
-        </p:grpSp>
-        <p:cxnSp>
-          <p:nvCxnSpPr>
-            <p:cNvPr id="36" name="Conector recto de flecha 35"/>
-            <p:cNvCxnSpPr/>
-            <p:nvPr/>
-          </p:nvCxnSpPr>
-          <p:spPr>
-            <a:xfrm flipH="1" flipV="1">
-              <a:off x="6528538" y="5822910"/>
-              <a:ext cx="313797" cy="633"/>
-            </a:xfrm>
-            <a:prstGeom prst="straightConnector1">
-              <a:avLst/>
-            </a:prstGeom>
-            <a:ln>
-              <a:solidFill>
-                <a:srgbClr val="FF0000"/>
-              </a:solidFill>
-              <a:headEnd type="triangle"/>
-              <a:tailEnd type="triangle"/>
-            </a:ln>
-          </p:spPr>
-          <p:style>
-            <a:lnRef idx="1">
-              <a:schemeClr val="accent1"/>
-            </a:lnRef>
-            <a:fillRef idx="0">
-              <a:schemeClr val="accent1"/>
-            </a:fillRef>
-            <a:effectRef idx="0">
-              <a:schemeClr val="accent1"/>
-            </a:effectRef>
-            <a:fontRef idx="minor">
-              <a:schemeClr val="tx1"/>
-            </a:fontRef>
-          </p:style>
-        </p:cxnSp>
-        <p:sp>
-          <p:nvSpPr>
-            <p:cNvPr id="37" name="CuadroTexto 36"/>
-            <p:cNvSpPr txBox="1"/>
-            <p:nvPr/>
-          </p:nvSpPr>
-          <p:spPr>
-            <a:xfrm>
-              <a:off x="6557838" y="3412675"/>
-              <a:ext cx="750431" cy="307777"/>
-            </a:xfrm>
-            <a:prstGeom prst="rect">
-              <a:avLst/>
-            </a:prstGeom>
-            <a:noFill/>
-          </p:spPr>
-          <p:txBody>
-            <a:bodyPr wrap="square" rtlCol="0">
-              <a:spAutoFit/>
-            </a:bodyPr>
-            <a:lstStyle/>
-            <a:p>
-              <a:r>
-                <a:rPr lang="es-ES" sz="1400" dirty="0"/>
-                <a:t>5</a:t>
-              </a:r>
-              <a:r>
-                <a:rPr lang="es-ES" sz="1400" dirty="0" smtClean="0"/>
-                <a:t>cm</a:t>
-              </a:r>
-              <a:endParaRPr lang="en-US" sz="1400" dirty="0"/>
-            </a:p>
-          </p:txBody>
-        </p:sp>
-        <p:cxnSp>
-          <p:nvCxnSpPr>
-            <p:cNvPr id="38" name="Conector recto de flecha 37"/>
-            <p:cNvCxnSpPr/>
-            <p:nvPr/>
-          </p:nvCxnSpPr>
-          <p:spPr>
-            <a:xfrm flipH="1">
-              <a:off x="6486107" y="3674182"/>
-              <a:ext cx="673601" cy="11452"/>
-            </a:xfrm>
-            <a:prstGeom prst="straightConnector1">
-              <a:avLst/>
-            </a:prstGeom>
-            <a:ln>
-              <a:solidFill>
-                <a:srgbClr val="FF0000"/>
-              </a:solidFill>
-              <a:headEnd type="triangle"/>
-              <a:tailEnd type="triangle"/>
-            </a:ln>
-          </p:spPr>
-          <p:style>
-            <a:lnRef idx="1">
-              <a:schemeClr val="accent1"/>
-            </a:lnRef>
-            <a:fillRef idx="0">
-              <a:schemeClr val="accent1"/>
-            </a:fillRef>
-            <a:effectRef idx="0">
-              <a:schemeClr val="accent1"/>
-            </a:effectRef>
-            <a:fontRef idx="minor">
-              <a:schemeClr val="tx1"/>
-            </a:fontRef>
-          </p:style>
-        </p:cxnSp>
-        <p:sp>
-          <p:nvSpPr>
-            <p:cNvPr id="39" name="CuadroTexto 38"/>
-            <p:cNvSpPr txBox="1"/>
-            <p:nvPr/>
-          </p:nvSpPr>
-          <p:spPr>
-            <a:xfrm>
-              <a:off x="6486107" y="5817453"/>
-              <a:ext cx="513126" cy="307777"/>
-            </a:xfrm>
-            <a:prstGeom prst="rect">
-              <a:avLst/>
-            </a:prstGeom>
-            <a:noFill/>
-          </p:spPr>
-          <p:txBody>
-            <a:bodyPr wrap="square" rtlCol="0">
-              <a:spAutoFit/>
-            </a:bodyPr>
-            <a:lstStyle/>
-            <a:p>
-              <a:r>
-                <a:rPr lang="es-ES" sz="1400" dirty="0" smtClean="0"/>
-                <a:t>3cm</a:t>
-              </a:r>
-              <a:endParaRPr lang="en-US" sz="1400" dirty="0"/>
-            </a:p>
-          </p:txBody>
-        </p:sp>
-      </p:grpSp>
     </p:spTree>
     <p:extLst>
       <p:ext uri="{BB962C8B-B14F-4D97-AF65-F5344CB8AC3E}">
@@ -19357,6 +19001,13 @@
   <p:clrMapOvr>
     <a:masterClrMapping/>
   </p:clrMapOvr>
+  <p:timing>
+    <p:tnLst>
+      <p:par>
+        <p:cTn id="1" dur="indefinite" restart="never" nodeType="tmRoot"/>
+      </p:par>
+    </p:tnLst>
+  </p:timing>
 </p:sld>
 </file>
 
@@ -19568,6 +19219,13 @@
   <p:clrMapOvr>
     <a:masterClrMapping/>
   </p:clrMapOvr>
+  <p:timing>
+    <p:tnLst>
+      <p:par>
+        <p:cTn id="1" dur="indefinite" restart="never" nodeType="tmRoot"/>
+      </p:par>
+    </p:tnLst>
+  </p:timing>
 </p:sld>
 </file>
 
